--- a/webview讲解.pptx
+++ b/webview讲解.pptx
@@ -6,6 +6,9 @@
   </p:sldMasterIdLst>
   <p:sldIdLst>
     <p:sldId id="256" r:id="rId2"/>
+    <p:sldId id="259" r:id="rId3"/>
+    <p:sldId id="257" r:id="rId4"/>
+    <p:sldId id="258" r:id="rId5"/>
   </p:sldIdLst>
   <p:sldSz cx="12192000" cy="6858000"/>
   <p:notesSz cx="6858000" cy="9144000"/>
@@ -104,6 +107,11 @@
       </a:defRPr>
     </a:lvl9pPr>
   </p:defaultTextStyle>
+  <p:extLst>
+    <p:ext uri="{EFAFB233-063F-42B5-8137-9DF3F51BA10A}">
+      <p15:sldGuideLst xmlns:p15="http://schemas.microsoft.com/office/powerpoint/2012/main"/>
+    </p:ext>
+  </p:extLst>
 </p:presentation>
 </file>
 
@@ -254,7 +262,7 @@
           <a:p>
             <a:fld id="{6BB2E945-C410-CC44-94E4-1695F17AA18C}" type="datetimeFigureOut">
               <a:rPr kumimoji="1" lang="zh-CN" altLang="en-US" smtClean="0"/>
-              <a:t>2019/4/9</a:t>
+              <a:t>2019/4/16</a:t>
             </a:fld>
             <a:endParaRPr kumimoji="1" lang="zh-CN" altLang="en-US"/>
           </a:p>
@@ -427,7 +435,7 @@
           <a:p>
             <a:fld id="{6BB2E945-C410-CC44-94E4-1695F17AA18C}" type="datetimeFigureOut">
               <a:rPr kumimoji="1" lang="zh-CN" altLang="en-US" smtClean="0"/>
-              <a:t>2019/4/9</a:t>
+              <a:t>2019/4/16</a:t>
             </a:fld>
             <a:endParaRPr kumimoji="1" lang="zh-CN" altLang="en-US"/>
           </a:p>
@@ -610,7 +618,7 @@
           <a:p>
             <a:fld id="{6BB2E945-C410-CC44-94E4-1695F17AA18C}" type="datetimeFigureOut">
               <a:rPr kumimoji="1" lang="zh-CN" altLang="en-US" smtClean="0"/>
-              <a:t>2019/4/9</a:t>
+              <a:t>2019/4/16</a:t>
             </a:fld>
             <a:endParaRPr kumimoji="1" lang="zh-CN" altLang="en-US"/>
           </a:p>
@@ -783,7 +791,7 @@
           <a:p>
             <a:fld id="{6BB2E945-C410-CC44-94E4-1695F17AA18C}" type="datetimeFigureOut">
               <a:rPr kumimoji="1" lang="zh-CN" altLang="en-US" smtClean="0"/>
-              <a:t>2019/4/9</a:t>
+              <a:t>2019/4/16</a:t>
             </a:fld>
             <a:endParaRPr kumimoji="1" lang="zh-CN" altLang="en-US"/>
           </a:p>
@@ -1061,7 +1069,7 @@
           <a:p>
             <a:fld id="{6BB2E945-C410-CC44-94E4-1695F17AA18C}" type="datetimeFigureOut">
               <a:rPr kumimoji="1" lang="zh-CN" altLang="en-US" smtClean="0"/>
-              <a:t>2019/4/9</a:t>
+              <a:t>2019/4/16</a:t>
             </a:fld>
             <a:endParaRPr kumimoji="1" lang="zh-CN" altLang="en-US"/>
           </a:p>
@@ -1276,7 +1284,7 @@
           <a:p>
             <a:fld id="{6BB2E945-C410-CC44-94E4-1695F17AA18C}" type="datetimeFigureOut">
               <a:rPr kumimoji="1" lang="zh-CN" altLang="en-US" smtClean="0"/>
-              <a:t>2019/4/9</a:t>
+              <a:t>2019/4/16</a:t>
             </a:fld>
             <a:endParaRPr kumimoji="1" lang="zh-CN" altLang="en-US"/>
           </a:p>
@@ -1644,7 +1652,7 @@
           <a:p>
             <a:fld id="{6BB2E945-C410-CC44-94E4-1695F17AA18C}" type="datetimeFigureOut">
               <a:rPr kumimoji="1" lang="zh-CN" altLang="en-US" smtClean="0"/>
-              <a:t>2019/4/9</a:t>
+              <a:t>2019/4/16</a:t>
             </a:fld>
             <a:endParaRPr kumimoji="1" lang="zh-CN" altLang="en-US"/>
           </a:p>
@@ -1785,7 +1793,7 @@
           <a:p>
             <a:fld id="{6BB2E945-C410-CC44-94E4-1695F17AA18C}" type="datetimeFigureOut">
               <a:rPr kumimoji="1" lang="zh-CN" altLang="en-US" smtClean="0"/>
-              <a:t>2019/4/9</a:t>
+              <a:t>2019/4/16</a:t>
             </a:fld>
             <a:endParaRPr kumimoji="1" lang="zh-CN" altLang="en-US"/>
           </a:p>
@@ -1898,7 +1906,7 @@
           <a:p>
             <a:fld id="{6BB2E945-C410-CC44-94E4-1695F17AA18C}" type="datetimeFigureOut">
               <a:rPr kumimoji="1" lang="zh-CN" altLang="en-US" smtClean="0"/>
-              <a:t>2019/4/9</a:t>
+              <a:t>2019/4/16</a:t>
             </a:fld>
             <a:endParaRPr kumimoji="1" lang="zh-CN" altLang="en-US"/>
           </a:p>
@@ -2187,7 +2195,7 @@
           <a:p>
             <a:fld id="{6BB2E945-C410-CC44-94E4-1695F17AA18C}" type="datetimeFigureOut">
               <a:rPr kumimoji="1" lang="zh-CN" altLang="en-US" smtClean="0"/>
-              <a:t>2019/4/9</a:t>
+              <a:t>2019/4/16</a:t>
             </a:fld>
             <a:endParaRPr kumimoji="1" lang="zh-CN" altLang="en-US"/>
           </a:p>
@@ -2478,7 +2486,7 @@
           <a:p>
             <a:fld id="{6BB2E945-C410-CC44-94E4-1695F17AA18C}" type="datetimeFigureOut">
               <a:rPr kumimoji="1" lang="zh-CN" altLang="en-US" smtClean="0"/>
-              <a:t>2019/4/9</a:t>
+              <a:t>2019/4/16</a:t>
             </a:fld>
             <a:endParaRPr kumimoji="1" lang="zh-CN" altLang="en-US"/>
           </a:p>
@@ -2694,7 +2702,7 @@
           <a:p>
             <a:fld id="{6BB2E945-C410-CC44-94E4-1695F17AA18C}" type="datetimeFigureOut">
               <a:rPr kumimoji="1" lang="zh-CN" altLang="en-US" smtClean="0"/>
-              <a:t>2019/4/9</a:t>
+              <a:t>2019/4/16</a:t>
             </a:fld>
             <a:endParaRPr kumimoji="1" lang="zh-CN" altLang="en-US"/>
           </a:p>
@@ -3178,6 +3186,653 @@
 </p:sld>
 </file>
 
+<file path=ppt/slides/slide2.xml><?xml version="1.0" encoding="utf-8"?>
+<p:sld xmlns:a="http://schemas.openxmlformats.org/drawingml/2006/main" xmlns:r="http://schemas.openxmlformats.org/officeDocument/2006/relationships" xmlns:p="http://schemas.openxmlformats.org/presentationml/2006/main">
+  <p:cSld>
+    <p:spTree>
+      <p:nvGrpSpPr>
+        <p:cNvPr id="1" name=""/>
+        <p:cNvGrpSpPr/>
+        <p:nvPr/>
+      </p:nvGrpSpPr>
+      <p:grpSpPr>
+        <a:xfrm>
+          <a:off x="0" y="0"/>
+          <a:ext cx="0" cy="0"/>
+          <a:chOff x="0" y="0"/>
+          <a:chExt cx="0" cy="0"/>
+        </a:xfrm>
+      </p:grpSpPr>
+      <p:sp>
+        <p:nvSpPr>
+          <p:cNvPr id="2" name="标题 1">
+            <a:extLst>
+              <a:ext uri="{FF2B5EF4-FFF2-40B4-BE49-F238E27FC236}">
+                <a16:creationId xmlns:a16="http://schemas.microsoft.com/office/drawing/2014/main" id="{FB433874-693A-9146-A206-9D35FBBD2009}"/>
+              </a:ext>
+            </a:extLst>
+          </p:cNvPr>
+          <p:cNvSpPr>
+            <a:spLocks noGrp="1"/>
+          </p:cNvSpPr>
+          <p:nvPr>
+            <p:ph type="title"/>
+          </p:nvPr>
+        </p:nvSpPr>
+        <p:spPr/>
+        <p:txBody>
+          <a:bodyPr/>
+          <a:lstStyle/>
+          <a:p>
+            <a:r>
+              <a:rPr kumimoji="1" lang="zh-CN" altLang="en-US" dirty="0"/>
+              <a:t>主要内容</a:t>
+            </a:r>
+          </a:p>
+        </p:txBody>
+      </p:sp>
+      <p:sp>
+        <p:nvSpPr>
+          <p:cNvPr id="3" name="内容占位符 2">
+            <a:extLst>
+              <a:ext uri="{FF2B5EF4-FFF2-40B4-BE49-F238E27FC236}">
+                <a16:creationId xmlns:a16="http://schemas.microsoft.com/office/drawing/2014/main" id="{C3198A7F-A1BC-EB48-9CC2-B14905455346}"/>
+              </a:ext>
+            </a:extLst>
+          </p:cNvPr>
+          <p:cNvSpPr>
+            <a:spLocks noGrp="1"/>
+          </p:cNvSpPr>
+          <p:nvPr>
+            <p:ph idx="1"/>
+          </p:nvPr>
+        </p:nvSpPr>
+        <p:spPr/>
+        <p:txBody>
+          <a:bodyPr/>
+          <a:lstStyle/>
+          <a:p>
+            <a:r>
+              <a:rPr kumimoji="1" lang="en-US" altLang="zh-CN" dirty="0" err="1"/>
+              <a:t>Webview</a:t>
+            </a:r>
+            <a:r>
+              <a:rPr kumimoji="1" lang="zh-CN" altLang="en-US" dirty="0"/>
+              <a:t>使用</a:t>
+            </a:r>
+            <a:endParaRPr kumimoji="1" lang="en-US" altLang="zh-CN" dirty="0"/>
+          </a:p>
+          <a:p>
+            <a:r>
+              <a:rPr kumimoji="1" lang="en-US" altLang="zh-CN" dirty="0" err="1"/>
+              <a:t>Webview</a:t>
+            </a:r>
+            <a:r>
+              <a:rPr kumimoji="1" lang="zh-CN" altLang="en-US" dirty="0"/>
+              <a:t>和</a:t>
+            </a:r>
+            <a:r>
+              <a:rPr kumimoji="1" lang="en-US" altLang="zh-CN" dirty="0" err="1"/>
+              <a:t>js</a:t>
+            </a:r>
+            <a:r>
+              <a:rPr kumimoji="1" lang="zh-CN" altLang="en-US" dirty="0"/>
+              <a:t>交互</a:t>
+            </a:r>
+            <a:endParaRPr kumimoji="1" lang="en-US" altLang="zh-CN" dirty="0"/>
+          </a:p>
+          <a:p>
+            <a:r>
+              <a:rPr kumimoji="1" lang="zh-CN" altLang="en-US" dirty="0"/>
+              <a:t>缓存机制，预加载</a:t>
+            </a:r>
+            <a:endParaRPr kumimoji="1" lang="en-US" altLang="zh-CN" dirty="0"/>
+          </a:p>
+          <a:p>
+            <a:r>
+              <a:rPr kumimoji="1" lang="en-US" altLang="zh-CN"/>
+              <a:t>Webiew</a:t>
+            </a:r>
+            <a:r>
+              <a:rPr kumimoji="1" lang="zh-CN" altLang="en-US" dirty="0"/>
+              <a:t>漏洞</a:t>
+            </a:r>
+          </a:p>
+        </p:txBody>
+      </p:sp>
+    </p:spTree>
+    <p:extLst>
+      <p:ext uri="{BB962C8B-B14F-4D97-AF65-F5344CB8AC3E}">
+        <p14:creationId xmlns:p14="http://schemas.microsoft.com/office/powerpoint/2010/main" val="297863941"/>
+      </p:ext>
+    </p:extLst>
+  </p:cSld>
+  <p:clrMapOvr>
+    <a:masterClrMapping/>
+  </p:clrMapOvr>
+</p:sld>
+</file>
+
+<file path=ppt/slides/slide3.xml><?xml version="1.0" encoding="utf-8"?>
+<p:sld xmlns:a="http://schemas.openxmlformats.org/drawingml/2006/main" xmlns:r="http://schemas.openxmlformats.org/officeDocument/2006/relationships" xmlns:p="http://schemas.openxmlformats.org/presentationml/2006/main">
+  <p:cSld>
+    <p:spTree>
+      <p:nvGrpSpPr>
+        <p:cNvPr id="1" name=""/>
+        <p:cNvGrpSpPr/>
+        <p:nvPr/>
+      </p:nvGrpSpPr>
+      <p:grpSpPr>
+        <a:xfrm>
+          <a:off x="0" y="0"/>
+          <a:ext cx="0" cy="0"/>
+          <a:chOff x="0" y="0"/>
+          <a:chExt cx="0" cy="0"/>
+        </a:xfrm>
+      </p:grpSpPr>
+      <p:sp>
+        <p:nvSpPr>
+          <p:cNvPr id="2" name="标题 1">
+            <a:extLst>
+              <a:ext uri="{FF2B5EF4-FFF2-40B4-BE49-F238E27FC236}">
+                <a16:creationId xmlns:a16="http://schemas.microsoft.com/office/drawing/2014/main" id="{863D51B0-5151-684E-A2EC-61D8E230E56B}"/>
+              </a:ext>
+            </a:extLst>
+          </p:cNvPr>
+          <p:cNvSpPr>
+            <a:spLocks noGrp="1"/>
+          </p:cNvSpPr>
+          <p:nvPr>
+            <p:ph type="title"/>
+          </p:nvPr>
+        </p:nvSpPr>
+        <p:spPr/>
+        <p:txBody>
+          <a:bodyPr/>
+          <a:lstStyle/>
+          <a:p>
+            <a:r>
+              <a:rPr kumimoji="1" lang="zh-CN" altLang="en-US" dirty="0"/>
+              <a:t>简介</a:t>
+            </a:r>
+          </a:p>
+        </p:txBody>
+      </p:sp>
+      <p:sp>
+        <p:nvSpPr>
+          <p:cNvPr id="3" name="内容占位符 2">
+            <a:extLst>
+              <a:ext uri="{FF2B5EF4-FFF2-40B4-BE49-F238E27FC236}">
+                <a16:creationId xmlns:a16="http://schemas.microsoft.com/office/drawing/2014/main" id="{2C17C95E-C55A-6B42-B23A-5A9097CE82F6}"/>
+              </a:ext>
+            </a:extLst>
+          </p:cNvPr>
+          <p:cNvSpPr>
+            <a:spLocks noGrp="1"/>
+          </p:cNvSpPr>
+          <p:nvPr>
+            <p:ph idx="1"/>
+          </p:nvPr>
+        </p:nvSpPr>
+        <p:spPr/>
+        <p:txBody>
+          <a:bodyPr/>
+          <a:lstStyle/>
+          <a:p>
+            <a:r>
+              <a:rPr lang="en" altLang="zh-CN" dirty="0"/>
+              <a:t>Android</a:t>
+            </a:r>
+            <a:r>
+              <a:rPr lang="zh-CN" altLang="en-US" dirty="0"/>
+              <a:t>的</a:t>
+            </a:r>
+            <a:r>
+              <a:rPr lang="en" altLang="zh-CN" dirty="0" err="1"/>
+              <a:t>Webview</a:t>
+            </a:r>
+            <a:r>
+              <a:rPr lang="zh-CN" altLang="en-US" dirty="0"/>
+              <a:t>在低版本和高版本采用了不同的</a:t>
+            </a:r>
+            <a:r>
+              <a:rPr lang="en" altLang="zh-CN" dirty="0" err="1"/>
+              <a:t>webkit</a:t>
+            </a:r>
+            <a:r>
+              <a:rPr lang="zh-CN" altLang="en-US" dirty="0"/>
+              <a:t>版本内核，</a:t>
+            </a:r>
+            <a:r>
+              <a:rPr lang="en-US" altLang="zh-CN" dirty="0"/>
+              <a:t>4.4</a:t>
+            </a:r>
+            <a:r>
+              <a:rPr lang="zh-CN" altLang="en-US" dirty="0"/>
+              <a:t>后直接使用了</a:t>
+            </a:r>
+            <a:r>
+              <a:rPr lang="en" altLang="zh-CN" dirty="0"/>
+              <a:t>Chrome</a:t>
+            </a:r>
+            <a:r>
+              <a:rPr lang="zh-CN" altLang="en" dirty="0"/>
+              <a:t>。</a:t>
+            </a:r>
+          </a:p>
+          <a:p>
+            <a:br>
+              <a:rPr lang="en" altLang="zh-CN" dirty="0"/>
+            </a:br>
+            <a:endParaRPr kumimoji="1" lang="zh-CN" altLang="en-US" dirty="0"/>
+          </a:p>
+        </p:txBody>
+      </p:sp>
+    </p:spTree>
+    <p:extLst>
+      <p:ext uri="{BB962C8B-B14F-4D97-AF65-F5344CB8AC3E}">
+        <p14:creationId xmlns:p14="http://schemas.microsoft.com/office/powerpoint/2010/main" val="3665594764"/>
+      </p:ext>
+    </p:extLst>
+  </p:cSld>
+  <p:clrMapOvr>
+    <a:masterClrMapping/>
+  </p:clrMapOvr>
+</p:sld>
+</file>
+
+<file path=ppt/slides/slide4.xml><?xml version="1.0" encoding="utf-8"?>
+<p:sld xmlns:a="http://schemas.openxmlformats.org/drawingml/2006/main" xmlns:r="http://schemas.openxmlformats.org/officeDocument/2006/relationships" xmlns:p="http://schemas.openxmlformats.org/presentationml/2006/main">
+  <p:cSld>
+    <p:spTree>
+      <p:nvGrpSpPr>
+        <p:cNvPr id="1" name=""/>
+        <p:cNvGrpSpPr/>
+        <p:nvPr/>
+      </p:nvGrpSpPr>
+      <p:grpSpPr>
+        <a:xfrm>
+          <a:off x="0" y="0"/>
+          <a:ext cx="0" cy="0"/>
+          <a:chOff x="0" y="0"/>
+          <a:chExt cx="0" cy="0"/>
+        </a:xfrm>
+      </p:grpSpPr>
+      <p:sp>
+        <p:nvSpPr>
+          <p:cNvPr id="2" name="标题 1">
+            <a:extLst>
+              <a:ext uri="{FF2B5EF4-FFF2-40B4-BE49-F238E27FC236}">
+                <a16:creationId xmlns:a16="http://schemas.microsoft.com/office/drawing/2014/main" id="{9C8C15E6-DA71-884D-A36E-5A9CF37DA82A}"/>
+              </a:ext>
+            </a:extLst>
+          </p:cNvPr>
+          <p:cNvSpPr>
+            <a:spLocks noGrp="1"/>
+          </p:cNvSpPr>
+          <p:nvPr>
+            <p:ph type="title"/>
+          </p:nvPr>
+        </p:nvSpPr>
+        <p:spPr/>
+        <p:txBody>
+          <a:bodyPr/>
+          <a:lstStyle/>
+          <a:p>
+            <a:r>
+              <a:rPr kumimoji="1" lang="zh-CN" altLang="en-US" dirty="0"/>
+              <a:t>交互方式</a:t>
+            </a:r>
+          </a:p>
+        </p:txBody>
+      </p:sp>
+      <p:sp>
+        <p:nvSpPr>
+          <p:cNvPr id="3" name="内容占位符 2">
+            <a:extLst>
+              <a:ext uri="{FF2B5EF4-FFF2-40B4-BE49-F238E27FC236}">
+                <a16:creationId xmlns:a16="http://schemas.microsoft.com/office/drawing/2014/main" id="{941A0315-EE3F-9348-A9B2-7C168F145D9A}"/>
+              </a:ext>
+            </a:extLst>
+          </p:cNvPr>
+          <p:cNvSpPr>
+            <a:spLocks noGrp="1"/>
+          </p:cNvSpPr>
+          <p:nvPr>
+            <p:ph idx="1"/>
+          </p:nvPr>
+        </p:nvSpPr>
+        <p:spPr/>
+        <p:txBody>
+          <a:bodyPr>
+            <a:normAutofit lnSpcReduction="10000"/>
+          </a:bodyPr>
+          <a:lstStyle/>
+          <a:p>
+            <a:pPr marL="0" indent="0">
+              <a:buNone/>
+            </a:pPr>
+            <a:r>
+              <a:rPr lang="zh-CN" altLang="en-US" b="1" dirty="0"/>
+              <a:t>对于</a:t>
+            </a:r>
+            <a:r>
+              <a:rPr lang="en" altLang="zh-CN" b="1" dirty="0"/>
+              <a:t>Android</a:t>
+            </a:r>
+            <a:r>
+              <a:rPr lang="zh-CN" altLang="en-US" b="1" dirty="0"/>
+              <a:t>调用</a:t>
+            </a:r>
+            <a:r>
+              <a:rPr lang="en" altLang="zh-CN" b="1" dirty="0"/>
+              <a:t>JS</a:t>
+            </a:r>
+            <a:r>
+              <a:rPr lang="zh-CN" altLang="en-US" b="1" dirty="0"/>
+              <a:t>代码的方法有</a:t>
+            </a:r>
+            <a:r>
+              <a:rPr lang="en-US" altLang="zh-CN" b="1" dirty="0"/>
+              <a:t>2</a:t>
+            </a:r>
+            <a:r>
+              <a:rPr lang="zh-CN" altLang="en-US" b="1" dirty="0"/>
+              <a:t>种：</a:t>
+            </a:r>
+            <a:r>
+              <a:rPr lang="zh-CN" altLang="en-US" dirty="0"/>
+              <a:t> </a:t>
+            </a:r>
+            <a:br>
+              <a:rPr lang="zh-CN" altLang="en-US" dirty="0"/>
+            </a:br>
+            <a:r>
+              <a:rPr lang="en-US" altLang="zh-CN" dirty="0"/>
+              <a:t>1. </a:t>
+            </a:r>
+            <a:r>
+              <a:rPr lang="zh-CN" altLang="en-US" dirty="0"/>
+              <a:t>通过</a:t>
+            </a:r>
+            <a:r>
+              <a:rPr lang="en" altLang="zh-CN" dirty="0"/>
+              <a:t>WebView</a:t>
+            </a:r>
+            <a:r>
+              <a:rPr lang="zh-CN" altLang="en-US" dirty="0"/>
+              <a:t>的</a:t>
+            </a:r>
+            <a:r>
+              <a:rPr lang="en" altLang="zh-CN" dirty="0" err="1"/>
+              <a:t>loadUrl</a:t>
+            </a:r>
+            <a:r>
+              <a:rPr lang="zh-CN" altLang="en" dirty="0"/>
+              <a:t>（）</a:t>
+            </a:r>
+            <a:r>
+              <a:rPr lang="en" altLang="zh-CN" dirty="0"/>
+              <a:t> </a:t>
+            </a:r>
+            <a:br>
+              <a:rPr lang="en" altLang="zh-CN" dirty="0"/>
+            </a:br>
+            <a:r>
+              <a:rPr lang="en" altLang="zh-CN" dirty="0"/>
+              <a:t>2. </a:t>
+            </a:r>
+            <a:r>
+              <a:rPr lang="zh-CN" altLang="en-US" dirty="0"/>
+              <a:t>通过</a:t>
+            </a:r>
+            <a:r>
+              <a:rPr lang="en" altLang="zh-CN" dirty="0"/>
+              <a:t>WebView</a:t>
+            </a:r>
+            <a:r>
+              <a:rPr lang="zh-CN" altLang="en-US" dirty="0"/>
+              <a:t>的</a:t>
+            </a:r>
+            <a:r>
+              <a:rPr lang="en" altLang="zh-CN" dirty="0" err="1"/>
+              <a:t>evaluateJavascript</a:t>
+            </a:r>
+            <a:r>
+              <a:rPr lang="zh-CN" altLang="en" dirty="0"/>
+              <a:t>（）</a:t>
+            </a:r>
+            <a:endParaRPr lang="en-US" altLang="zh-CN" dirty="0"/>
+          </a:p>
+          <a:p>
+            <a:pPr marL="0" indent="0">
+              <a:buNone/>
+            </a:pPr>
+            <a:r>
+              <a:rPr kumimoji="1" lang="zh-CN" altLang="en-US" dirty="0"/>
+              <a:t>对于</a:t>
+            </a:r>
+            <a:r>
+              <a:rPr kumimoji="1" lang="en" altLang="zh-CN" dirty="0"/>
+              <a:t>JS</a:t>
+            </a:r>
+            <a:r>
+              <a:rPr kumimoji="1" lang="zh-CN" altLang="en-US" dirty="0"/>
+              <a:t>调用</a:t>
+            </a:r>
+            <a:r>
+              <a:rPr kumimoji="1" lang="en" altLang="zh-CN" dirty="0"/>
+              <a:t>Android</a:t>
+            </a:r>
+            <a:r>
+              <a:rPr kumimoji="1" lang="zh-CN" altLang="en-US" dirty="0"/>
+              <a:t>代码的方法有</a:t>
+            </a:r>
+            <a:r>
+              <a:rPr kumimoji="1" lang="en-US" altLang="zh-CN" dirty="0"/>
+              <a:t>3</a:t>
+            </a:r>
+            <a:r>
+              <a:rPr kumimoji="1" lang="zh-CN" altLang="en-US" dirty="0"/>
+              <a:t>种： </a:t>
+            </a:r>
+          </a:p>
+          <a:p>
+            <a:pPr marL="0" indent="0">
+              <a:buNone/>
+            </a:pPr>
+            <a:r>
+              <a:rPr kumimoji="1" lang="en-US" altLang="zh-CN" dirty="0"/>
+              <a:t>1. </a:t>
+            </a:r>
+            <a:r>
+              <a:rPr kumimoji="1" lang="zh-CN" altLang="en-US" dirty="0"/>
+              <a:t>通过</a:t>
+            </a:r>
+            <a:r>
+              <a:rPr kumimoji="1" lang="en" altLang="zh-CN" dirty="0"/>
+              <a:t>WebView</a:t>
+            </a:r>
+            <a:r>
+              <a:rPr kumimoji="1" lang="zh-CN" altLang="en-US" dirty="0"/>
+              <a:t>的</a:t>
+            </a:r>
+            <a:r>
+              <a:rPr kumimoji="1" lang="en" altLang="zh-CN" dirty="0" err="1"/>
+              <a:t>addJavascriptInterface</a:t>
+            </a:r>
+            <a:r>
+              <a:rPr kumimoji="1" lang="zh-CN" altLang="en" dirty="0"/>
+              <a:t>（）</a:t>
+            </a:r>
+            <a:r>
+              <a:rPr kumimoji="1" lang="zh-CN" altLang="en-US" dirty="0"/>
+              <a:t>进行对象映射 </a:t>
+            </a:r>
+          </a:p>
+          <a:p>
+            <a:pPr marL="0" indent="0">
+              <a:buNone/>
+            </a:pPr>
+            <a:r>
+              <a:rPr kumimoji="1" lang="en-US" altLang="zh-CN" dirty="0"/>
+              <a:t>2. </a:t>
+            </a:r>
+            <a:r>
+              <a:rPr kumimoji="1" lang="zh-CN" altLang="en-US" dirty="0"/>
+              <a:t>通过 </a:t>
+            </a:r>
+            <a:r>
+              <a:rPr kumimoji="1" lang="en" altLang="zh-CN" dirty="0" err="1"/>
+              <a:t>WebViewClient</a:t>
+            </a:r>
+            <a:r>
+              <a:rPr kumimoji="1" lang="en" altLang="zh-CN" dirty="0"/>
+              <a:t> </a:t>
+            </a:r>
+            <a:r>
+              <a:rPr kumimoji="1" lang="zh-CN" altLang="en-US" dirty="0"/>
+              <a:t>的</a:t>
+            </a:r>
+            <a:r>
+              <a:rPr kumimoji="1" lang="en" altLang="zh-CN" dirty="0" err="1"/>
+              <a:t>shouldOverrideUrlLoading</a:t>
+            </a:r>
+            <a:r>
+              <a:rPr kumimoji="1" lang="en" altLang="zh-CN" dirty="0"/>
+              <a:t> ()</a:t>
+            </a:r>
+            <a:r>
+              <a:rPr kumimoji="1" lang="zh-CN" altLang="en-US" dirty="0"/>
+              <a:t>方法回调拦截 </a:t>
+            </a:r>
+            <a:r>
+              <a:rPr kumimoji="1" lang="en" altLang="zh-CN" dirty="0" err="1"/>
+              <a:t>url</a:t>
+            </a:r>
+            <a:r>
+              <a:rPr kumimoji="1" lang="en" altLang="zh-CN" dirty="0"/>
+              <a:t> </a:t>
+            </a:r>
+          </a:p>
+          <a:p>
+            <a:pPr marL="0" indent="0">
+              <a:buNone/>
+            </a:pPr>
+            <a:r>
+              <a:rPr kumimoji="1" lang="en" altLang="zh-CN" dirty="0"/>
+              <a:t>3. </a:t>
+            </a:r>
+            <a:r>
+              <a:rPr kumimoji="1" lang="zh-CN" altLang="en-US" dirty="0"/>
+              <a:t>通过 </a:t>
+            </a:r>
+            <a:r>
+              <a:rPr kumimoji="1" lang="en" altLang="zh-CN" dirty="0" err="1"/>
+              <a:t>WebChromeClient</a:t>
+            </a:r>
+            <a:r>
+              <a:rPr kumimoji="1" lang="en" altLang="zh-CN" dirty="0"/>
+              <a:t> </a:t>
+            </a:r>
+            <a:r>
+              <a:rPr kumimoji="1" lang="zh-CN" altLang="en-US" dirty="0"/>
+              <a:t>的</a:t>
+            </a:r>
+            <a:r>
+              <a:rPr kumimoji="1" lang="en" altLang="zh-CN" dirty="0" err="1"/>
+              <a:t>onJsAlert</a:t>
+            </a:r>
+            <a:r>
+              <a:rPr kumimoji="1" lang="en" altLang="zh-CN" dirty="0"/>
+              <a:t>()</a:t>
+            </a:r>
+            <a:r>
+              <a:rPr kumimoji="1" lang="zh-CN" altLang="en" dirty="0"/>
+              <a:t>、</a:t>
+            </a:r>
+            <a:r>
+              <a:rPr kumimoji="1" lang="en" altLang="zh-CN" dirty="0" err="1"/>
+              <a:t>onJsConfirm</a:t>
+            </a:r>
+            <a:r>
+              <a:rPr kumimoji="1" lang="en" altLang="zh-CN" dirty="0"/>
+              <a:t>()</a:t>
+            </a:r>
+            <a:r>
+              <a:rPr kumimoji="1" lang="zh-CN" altLang="en" dirty="0"/>
+              <a:t>、</a:t>
+            </a:r>
+            <a:r>
+              <a:rPr kumimoji="1" lang="en" altLang="zh-CN" dirty="0" err="1"/>
+              <a:t>onJsPrompt</a:t>
+            </a:r>
+            <a:r>
+              <a:rPr kumimoji="1" lang="zh-CN" altLang="en" dirty="0"/>
+              <a:t>（）</a:t>
+            </a:r>
+            <a:r>
+              <a:rPr kumimoji="1" lang="zh-CN" altLang="en-US" dirty="0"/>
+              <a:t>方法回调拦截</a:t>
+            </a:r>
+            <a:r>
+              <a:rPr kumimoji="1" lang="en" altLang="zh-CN" dirty="0"/>
+              <a:t>JS</a:t>
+            </a:r>
+            <a:r>
+              <a:rPr kumimoji="1" lang="zh-CN" altLang="en-US" dirty="0"/>
+              <a:t>对话框</a:t>
+            </a:r>
+            <a:r>
+              <a:rPr kumimoji="1" lang="en" altLang="zh-CN" dirty="0"/>
+              <a:t>alert()</a:t>
+            </a:r>
+            <a:r>
+              <a:rPr kumimoji="1" lang="zh-CN" altLang="en" dirty="0"/>
+              <a:t>、</a:t>
+            </a:r>
+            <a:r>
+              <a:rPr kumimoji="1" lang="en" altLang="zh-CN" dirty="0"/>
+              <a:t>confirm()</a:t>
+            </a:r>
+            <a:r>
+              <a:rPr kumimoji="1" lang="zh-CN" altLang="en" dirty="0"/>
+              <a:t>、</a:t>
+            </a:r>
+            <a:r>
+              <a:rPr kumimoji="1" lang="en" altLang="zh-CN" dirty="0"/>
+              <a:t>prompt</a:t>
+            </a:r>
+            <a:r>
+              <a:rPr kumimoji="1" lang="zh-CN" altLang="en" dirty="0"/>
+              <a:t>（） </a:t>
+            </a:r>
+            <a:r>
+              <a:rPr kumimoji="1" lang="zh-CN" altLang="en-US" dirty="0"/>
+              <a:t>消息</a:t>
+            </a:r>
+          </a:p>
+          <a:p>
+            <a:pPr marL="0" indent="0">
+              <a:buNone/>
+            </a:pPr>
+            <a:endParaRPr kumimoji="1" lang="zh-CN" altLang="en-US" dirty="0"/>
+          </a:p>
+        </p:txBody>
+      </p:sp>
+    </p:spTree>
+    <p:extLst>
+      <p:ext uri="{BB962C8B-B14F-4D97-AF65-F5344CB8AC3E}">
+        <p14:creationId xmlns:p14="http://schemas.microsoft.com/office/powerpoint/2010/main" val="3204660473"/>
+      </p:ext>
+    </p:extLst>
+  </p:cSld>
+  <p:clrMapOvr>
+    <a:masterClrMapping/>
+  </p:clrMapOvr>
+</p:sld>
+</file>
+
 <file path=ppt/theme/theme1.xml><?xml version="1.0" encoding="utf-8"?>
 <a:theme xmlns:a="http://schemas.openxmlformats.org/drawingml/2006/main" name="Office 主题​​">
   <a:themeElements>

--- a/webview讲解.pptx
+++ b/webview讲解.pptx
@@ -8,7 +8,8 @@
     <p:sldId id="256" r:id="rId2"/>
     <p:sldId id="259" r:id="rId3"/>
     <p:sldId id="257" r:id="rId4"/>
-    <p:sldId id="258" r:id="rId5"/>
+    <p:sldId id="260" r:id="rId5"/>
+    <p:sldId id="258" r:id="rId6"/>
   </p:sldIdLst>
   <p:sldSz cx="12192000" cy="6858000"/>
   <p:notesSz cx="6858000" cy="9144000"/>
@@ -262,7 +263,7 @@
           <a:p>
             <a:fld id="{6BB2E945-C410-CC44-94E4-1695F17AA18C}" type="datetimeFigureOut">
               <a:rPr kumimoji="1" lang="zh-CN" altLang="en-US" smtClean="0"/>
-              <a:t>2019/4/16</a:t>
+              <a:t>2019/4/17</a:t>
             </a:fld>
             <a:endParaRPr kumimoji="1" lang="zh-CN" altLang="en-US"/>
           </a:p>
@@ -435,7 +436,7 @@
           <a:p>
             <a:fld id="{6BB2E945-C410-CC44-94E4-1695F17AA18C}" type="datetimeFigureOut">
               <a:rPr kumimoji="1" lang="zh-CN" altLang="en-US" smtClean="0"/>
-              <a:t>2019/4/16</a:t>
+              <a:t>2019/4/17</a:t>
             </a:fld>
             <a:endParaRPr kumimoji="1" lang="zh-CN" altLang="en-US"/>
           </a:p>
@@ -618,7 +619,7 @@
           <a:p>
             <a:fld id="{6BB2E945-C410-CC44-94E4-1695F17AA18C}" type="datetimeFigureOut">
               <a:rPr kumimoji="1" lang="zh-CN" altLang="en-US" smtClean="0"/>
-              <a:t>2019/4/16</a:t>
+              <a:t>2019/4/17</a:t>
             </a:fld>
             <a:endParaRPr kumimoji="1" lang="zh-CN" altLang="en-US"/>
           </a:p>
@@ -791,7 +792,7 @@
           <a:p>
             <a:fld id="{6BB2E945-C410-CC44-94E4-1695F17AA18C}" type="datetimeFigureOut">
               <a:rPr kumimoji="1" lang="zh-CN" altLang="en-US" smtClean="0"/>
-              <a:t>2019/4/16</a:t>
+              <a:t>2019/4/17</a:t>
             </a:fld>
             <a:endParaRPr kumimoji="1" lang="zh-CN" altLang="en-US"/>
           </a:p>
@@ -1069,7 +1070,7 @@
           <a:p>
             <a:fld id="{6BB2E945-C410-CC44-94E4-1695F17AA18C}" type="datetimeFigureOut">
               <a:rPr kumimoji="1" lang="zh-CN" altLang="en-US" smtClean="0"/>
-              <a:t>2019/4/16</a:t>
+              <a:t>2019/4/17</a:t>
             </a:fld>
             <a:endParaRPr kumimoji="1" lang="zh-CN" altLang="en-US"/>
           </a:p>
@@ -1284,7 +1285,7 @@
           <a:p>
             <a:fld id="{6BB2E945-C410-CC44-94E4-1695F17AA18C}" type="datetimeFigureOut">
               <a:rPr kumimoji="1" lang="zh-CN" altLang="en-US" smtClean="0"/>
-              <a:t>2019/4/16</a:t>
+              <a:t>2019/4/17</a:t>
             </a:fld>
             <a:endParaRPr kumimoji="1" lang="zh-CN" altLang="en-US"/>
           </a:p>
@@ -1652,7 +1653,7 @@
           <a:p>
             <a:fld id="{6BB2E945-C410-CC44-94E4-1695F17AA18C}" type="datetimeFigureOut">
               <a:rPr kumimoji="1" lang="zh-CN" altLang="en-US" smtClean="0"/>
-              <a:t>2019/4/16</a:t>
+              <a:t>2019/4/17</a:t>
             </a:fld>
             <a:endParaRPr kumimoji="1" lang="zh-CN" altLang="en-US"/>
           </a:p>
@@ -1793,7 +1794,7 @@
           <a:p>
             <a:fld id="{6BB2E945-C410-CC44-94E4-1695F17AA18C}" type="datetimeFigureOut">
               <a:rPr kumimoji="1" lang="zh-CN" altLang="en-US" smtClean="0"/>
-              <a:t>2019/4/16</a:t>
+              <a:t>2019/4/17</a:t>
             </a:fld>
             <a:endParaRPr kumimoji="1" lang="zh-CN" altLang="en-US"/>
           </a:p>
@@ -1906,7 +1907,7 @@
           <a:p>
             <a:fld id="{6BB2E945-C410-CC44-94E4-1695F17AA18C}" type="datetimeFigureOut">
               <a:rPr kumimoji="1" lang="zh-CN" altLang="en-US" smtClean="0"/>
-              <a:t>2019/4/16</a:t>
+              <a:t>2019/4/17</a:t>
             </a:fld>
             <a:endParaRPr kumimoji="1" lang="zh-CN" altLang="en-US"/>
           </a:p>
@@ -2195,7 +2196,7 @@
           <a:p>
             <a:fld id="{6BB2E945-C410-CC44-94E4-1695F17AA18C}" type="datetimeFigureOut">
               <a:rPr kumimoji="1" lang="zh-CN" altLang="en-US" smtClean="0"/>
-              <a:t>2019/4/16</a:t>
+              <a:t>2019/4/17</a:t>
             </a:fld>
             <a:endParaRPr kumimoji="1" lang="zh-CN" altLang="en-US"/>
           </a:p>
@@ -2486,7 +2487,7 @@
           <a:p>
             <a:fld id="{6BB2E945-C410-CC44-94E4-1695F17AA18C}" type="datetimeFigureOut">
               <a:rPr kumimoji="1" lang="zh-CN" altLang="en-US" smtClean="0"/>
-              <a:t>2019/4/16</a:t>
+              <a:t>2019/4/17</a:t>
             </a:fld>
             <a:endParaRPr kumimoji="1" lang="zh-CN" altLang="en-US"/>
           </a:p>
@@ -2702,7 +2703,7 @@
           <a:p>
             <a:fld id="{6BB2E945-C410-CC44-94E4-1695F17AA18C}" type="datetimeFigureOut">
               <a:rPr kumimoji="1" lang="zh-CN" altLang="en-US" smtClean="0"/>
-              <a:t>2019/4/16</a:t>
+              <a:t>2019/4/17</a:t>
             </a:fld>
             <a:endParaRPr kumimoji="1" lang="zh-CN" altLang="en-US"/>
           </a:p>
@@ -3290,7 +3291,7 @@
           </a:p>
           <a:p>
             <a:r>
-              <a:rPr kumimoji="1" lang="en-US" altLang="zh-CN"/>
+              <a:rPr kumimoji="1" lang="en-US" altLang="zh-CN" dirty="0" err="1"/>
               <a:t>Webiew</a:t>
             </a:r>
             <a:r>
@@ -3352,6 +3353,10 @@
           <a:lstStyle/>
           <a:p>
             <a:r>
+              <a:rPr kumimoji="1" lang="en-US" altLang="zh-CN" dirty="0" err="1"/>
+              <a:t>Webview</a:t>
+            </a:r>
+            <a:r>
               <a:rPr kumimoji="1" lang="zh-CN" altLang="en-US" dirty="0"/>
               <a:t>简介</a:t>
             </a:r>
@@ -3376,51 +3381,227 @@
         </p:nvSpPr>
         <p:spPr/>
         <p:txBody>
-          <a:bodyPr/>
-          <a:lstStyle/>
-          <a:p>
-            <a:r>
-              <a:rPr lang="en" altLang="zh-CN" dirty="0"/>
+          <a:bodyPr anchor="ctr">
+            <a:normAutofit/>
+          </a:bodyPr>
+          <a:lstStyle/>
+          <a:p>
+            <a:pPr marL="514350" indent="-514350">
+              <a:lnSpc>
+                <a:spcPct val="120000"/>
+              </a:lnSpc>
+              <a:buFont typeface="+mj-lt"/>
+              <a:buAutoNum type="arabicPeriod"/>
+            </a:pPr>
+            <a:r>
+              <a:rPr lang="en" altLang="zh-CN" dirty="0">
+                <a:latin typeface="FangSong" panose="02010609060101010101" pitchFamily="49" charset="-122"/>
+                <a:ea typeface="FangSong" panose="02010609060101010101" pitchFamily="49" charset="-122"/>
+                <a:cs typeface="Courier New" panose="02070309020205020404" pitchFamily="49" charset="0"/>
+              </a:rPr>
               <a:t>Android</a:t>
             </a:r>
             <a:r>
-              <a:rPr lang="zh-CN" altLang="en-US" dirty="0"/>
+              <a:rPr lang="zh-CN" altLang="en-US" dirty="0">
+                <a:latin typeface="FangSong" panose="02010609060101010101" pitchFamily="49" charset="-122"/>
+                <a:ea typeface="FangSong" panose="02010609060101010101" pitchFamily="49" charset="-122"/>
+                <a:cs typeface="Courier New" panose="02070309020205020404" pitchFamily="49" charset="0"/>
+              </a:rPr>
               <a:t>的</a:t>
             </a:r>
             <a:r>
-              <a:rPr lang="en" altLang="zh-CN" dirty="0" err="1"/>
+              <a:rPr lang="en" altLang="zh-CN" dirty="0" err="1">
+                <a:latin typeface="FangSong" panose="02010609060101010101" pitchFamily="49" charset="-122"/>
+                <a:ea typeface="FangSong" panose="02010609060101010101" pitchFamily="49" charset="-122"/>
+                <a:cs typeface="Courier New" panose="02070309020205020404" pitchFamily="49" charset="0"/>
+              </a:rPr>
               <a:t>Webview</a:t>
             </a:r>
             <a:r>
-              <a:rPr lang="zh-CN" altLang="en-US" dirty="0"/>
+              <a:rPr lang="zh-CN" altLang="en-US" dirty="0">
+                <a:latin typeface="FangSong" panose="02010609060101010101" pitchFamily="49" charset="-122"/>
+                <a:ea typeface="FangSong" panose="02010609060101010101" pitchFamily="49" charset="-122"/>
+                <a:cs typeface="Courier New" panose="02070309020205020404" pitchFamily="49" charset="0"/>
+              </a:rPr>
               <a:t>在低版本和高版本采用了不同的</a:t>
             </a:r>
             <a:r>
-              <a:rPr lang="en" altLang="zh-CN" dirty="0" err="1"/>
+              <a:rPr lang="en" altLang="zh-CN" dirty="0" err="1">
+                <a:latin typeface="FangSong" panose="02010609060101010101" pitchFamily="49" charset="-122"/>
+                <a:ea typeface="FangSong" panose="02010609060101010101" pitchFamily="49" charset="-122"/>
+                <a:cs typeface="Courier New" panose="02070309020205020404" pitchFamily="49" charset="0"/>
+              </a:rPr>
               <a:t>webkit</a:t>
             </a:r>
             <a:r>
-              <a:rPr lang="zh-CN" altLang="en-US" dirty="0"/>
+              <a:rPr lang="zh-CN" altLang="en-US" dirty="0">
+                <a:latin typeface="FangSong" panose="02010609060101010101" pitchFamily="49" charset="-122"/>
+                <a:ea typeface="FangSong" panose="02010609060101010101" pitchFamily="49" charset="-122"/>
+                <a:cs typeface="Courier New" panose="02070309020205020404" pitchFamily="49" charset="0"/>
+              </a:rPr>
               <a:t>版本内核，</a:t>
             </a:r>
             <a:r>
-              <a:rPr lang="en-US" altLang="zh-CN" dirty="0"/>
+              <a:rPr lang="en-US" altLang="zh-CN" dirty="0">
+                <a:latin typeface="FangSong" panose="02010609060101010101" pitchFamily="49" charset="-122"/>
+                <a:ea typeface="FangSong" panose="02010609060101010101" pitchFamily="49" charset="-122"/>
+                <a:cs typeface="Courier New" panose="02070309020205020404" pitchFamily="49" charset="0"/>
+              </a:rPr>
               <a:t>4.4</a:t>
             </a:r>
             <a:r>
-              <a:rPr lang="zh-CN" altLang="en-US" dirty="0"/>
+              <a:rPr lang="zh-CN" altLang="en-US" dirty="0">
+                <a:latin typeface="FangSong" panose="02010609060101010101" pitchFamily="49" charset="-122"/>
+                <a:ea typeface="FangSong" panose="02010609060101010101" pitchFamily="49" charset="-122"/>
+                <a:cs typeface="Courier New" panose="02070309020205020404" pitchFamily="49" charset="0"/>
+              </a:rPr>
               <a:t>后直接使用了</a:t>
             </a:r>
             <a:r>
-              <a:rPr lang="en" altLang="zh-CN" dirty="0"/>
+              <a:rPr lang="en" altLang="zh-CN" dirty="0">
+                <a:latin typeface="FangSong" panose="02010609060101010101" pitchFamily="49" charset="-122"/>
+                <a:ea typeface="FangSong" panose="02010609060101010101" pitchFamily="49" charset="-122"/>
+                <a:cs typeface="Courier New" panose="02070309020205020404" pitchFamily="49" charset="0"/>
+              </a:rPr>
               <a:t>Chrome</a:t>
             </a:r>
             <a:r>
-              <a:rPr lang="zh-CN" altLang="en" dirty="0"/>
+              <a:rPr lang="zh-CN" altLang="en" dirty="0">
+                <a:latin typeface="FangSong" panose="02010609060101010101" pitchFamily="49" charset="-122"/>
+                <a:ea typeface="FangSong" panose="02010609060101010101" pitchFamily="49" charset="-122"/>
+                <a:cs typeface="Courier New" panose="02070309020205020404" pitchFamily="49" charset="0"/>
+              </a:rPr>
               <a:t>。</a:t>
             </a:r>
           </a:p>
           <a:p>
+            <a:pPr marL="514350" indent="-514350">
+              <a:lnSpc>
+                <a:spcPct val="120000"/>
+              </a:lnSpc>
+              <a:buFont typeface="+mj-lt"/>
+              <a:buAutoNum type="arabicPeriod"/>
+            </a:pPr>
+            <a:r>
+              <a:rPr lang="zh-CN" altLang="en" dirty="0">
+                <a:latin typeface="FangSong" panose="02010609060101010101" pitchFamily="49" charset="-122"/>
+                <a:ea typeface="FangSong" panose="02010609060101010101" pitchFamily="49" charset="-122"/>
+                <a:cs typeface="Courier New" panose="02070309020205020404" pitchFamily="49" charset="0"/>
+              </a:rPr>
+              <a:t>可将</a:t>
+            </a:r>
+            <a:r>
+              <a:rPr lang="en-US" altLang="zh-CN" dirty="0">
+                <a:latin typeface="FangSong" panose="02010609060101010101" pitchFamily="49" charset="-122"/>
+                <a:ea typeface="FangSong" panose="02010609060101010101" pitchFamily="49" charset="-122"/>
+                <a:cs typeface="Courier New" panose="02070309020205020404" pitchFamily="49" charset="0"/>
+              </a:rPr>
+              <a:t>html</a:t>
+            </a:r>
+            <a:r>
+              <a:rPr lang="zh-CN" altLang="en-US" dirty="0">
+                <a:latin typeface="FangSong" panose="02010609060101010101" pitchFamily="49" charset="-122"/>
+                <a:ea typeface="FangSong" panose="02010609060101010101" pitchFamily="49" charset="-122"/>
+                <a:cs typeface="Courier New" panose="02070309020205020404" pitchFamily="49" charset="0"/>
+              </a:rPr>
+              <a:t>文件放到网络和</a:t>
+            </a:r>
+            <a:r>
+              <a:rPr lang="en-US" altLang="zh-CN" dirty="0">
+                <a:latin typeface="FangSong" panose="02010609060101010101" pitchFamily="49" charset="-122"/>
+                <a:ea typeface="FangSong" panose="02010609060101010101" pitchFamily="49" charset="-122"/>
+                <a:cs typeface="Courier New" panose="02070309020205020404" pitchFamily="49" charset="0"/>
+              </a:rPr>
+              <a:t>assets</a:t>
+            </a:r>
+            <a:r>
+              <a:rPr lang="zh-CN" altLang="en-US" dirty="0">
+                <a:latin typeface="FangSong" panose="02010609060101010101" pitchFamily="49" charset="-122"/>
+                <a:ea typeface="FangSong" panose="02010609060101010101" pitchFamily="49" charset="-122"/>
+                <a:cs typeface="Courier New" panose="02070309020205020404" pitchFamily="49" charset="0"/>
+              </a:rPr>
+              <a:t>目录下作布局，可直接与</a:t>
+            </a:r>
+            <a:r>
+              <a:rPr lang="en-US" altLang="zh-CN" dirty="0">
+                <a:latin typeface="FangSong" panose="02010609060101010101" pitchFamily="49" charset="-122"/>
+                <a:ea typeface="FangSong" panose="02010609060101010101" pitchFamily="49" charset="-122"/>
+                <a:cs typeface="Courier New" panose="02070309020205020404" pitchFamily="49" charset="0"/>
+              </a:rPr>
+              <a:t>JavaScript</a:t>
+            </a:r>
+            <a:r>
+              <a:rPr lang="zh-CN" altLang="en-US" dirty="0">
+                <a:latin typeface="FangSong" panose="02010609060101010101" pitchFamily="49" charset="-122"/>
+                <a:ea typeface="FangSong" panose="02010609060101010101" pitchFamily="49" charset="-122"/>
+                <a:cs typeface="Courier New" panose="02070309020205020404" pitchFamily="49" charset="0"/>
+              </a:rPr>
+              <a:t>进行交互</a:t>
+            </a:r>
+            <a:endParaRPr lang="en-US" altLang="zh-CN" dirty="0">
+              <a:latin typeface="FangSong" panose="02010609060101010101" pitchFamily="49" charset="-122"/>
+              <a:ea typeface="FangSong" panose="02010609060101010101" pitchFamily="49" charset="-122"/>
+              <a:cs typeface="Courier New" panose="02070309020205020404" pitchFamily="49" charset="0"/>
+            </a:endParaRPr>
+          </a:p>
+          <a:p>
+            <a:pPr marL="514350" indent="-514350">
+              <a:lnSpc>
+                <a:spcPct val="120000"/>
+              </a:lnSpc>
+              <a:buFont typeface="+mj-lt"/>
+              <a:buAutoNum type="arabicPeriod"/>
+            </a:pPr>
+            <a:r>
+              <a:rPr lang="zh-CN" altLang="en-US" dirty="0">
+                <a:latin typeface="FangSong" panose="02010609060101010101" pitchFamily="49" charset="-122"/>
+                <a:ea typeface="FangSong" panose="02010609060101010101" pitchFamily="49" charset="-122"/>
+                <a:cs typeface="Courier New" panose="02070309020205020404" pitchFamily="49" charset="0"/>
+              </a:rPr>
+              <a:t>除了具有</a:t>
+            </a:r>
+            <a:r>
+              <a:rPr lang="en-US" altLang="zh-CN" dirty="0">
+                <a:latin typeface="FangSong" panose="02010609060101010101" pitchFamily="49" charset="-122"/>
+                <a:ea typeface="FangSong" panose="02010609060101010101" pitchFamily="49" charset="-122"/>
+                <a:cs typeface="Courier New" panose="02070309020205020404" pitchFamily="49" charset="0"/>
+              </a:rPr>
+              <a:t>View</a:t>
+            </a:r>
+            <a:r>
+              <a:rPr lang="zh-CN" altLang="en-US" dirty="0">
+                <a:latin typeface="FangSong" panose="02010609060101010101" pitchFamily="49" charset="-122"/>
+                <a:ea typeface="FangSong" panose="02010609060101010101" pitchFamily="49" charset="-122"/>
+                <a:cs typeface="Courier New" panose="02070309020205020404" pitchFamily="49" charset="0"/>
+              </a:rPr>
+              <a:t>属性之外还可以对</a:t>
+            </a:r>
+            <a:r>
+              <a:rPr lang="en" altLang="zh-CN" dirty="0" err="1">
+                <a:latin typeface="FangSong" panose="02010609060101010101" pitchFamily="49" charset="-122"/>
+                <a:ea typeface="FangSong" panose="02010609060101010101" pitchFamily="49" charset="-122"/>
+                <a:cs typeface="Courier New" panose="02070309020205020404" pitchFamily="49" charset="0"/>
+              </a:rPr>
+              <a:t>url</a:t>
+            </a:r>
+            <a:r>
+              <a:rPr lang="zh-CN" altLang="en-US" dirty="0">
+                <a:latin typeface="FangSong" panose="02010609060101010101" pitchFamily="49" charset="-122"/>
+                <a:ea typeface="FangSong" panose="02010609060101010101" pitchFamily="49" charset="-122"/>
+                <a:cs typeface="Courier New" panose="02070309020205020404" pitchFamily="49" charset="0"/>
+              </a:rPr>
+              <a:t>请求、页面加载、渲染、页面交互进行强大的处理。</a:t>
+            </a:r>
+            <a:endParaRPr lang="en-US" altLang="zh-CN" dirty="0">
+              <a:latin typeface="FangSong" panose="02010609060101010101" pitchFamily="49" charset="-122"/>
+              <a:ea typeface="FangSong" panose="02010609060101010101" pitchFamily="49" charset="-122"/>
+              <a:cs typeface="Courier New" panose="02070309020205020404" pitchFamily="49" charset="0"/>
+            </a:endParaRPr>
+          </a:p>
+          <a:p>
+            <a:pPr marL="0" indent="0">
+              <a:buNone/>
+            </a:pPr>
             <a:br>
               <a:rPr lang="en" altLang="zh-CN" dirty="0"/>
             </a:br>
@@ -3442,6 +3623,249 @@
 </file>
 
 <file path=ppt/slides/slide4.xml><?xml version="1.0" encoding="utf-8"?>
+<p:sld xmlns:a="http://schemas.openxmlformats.org/drawingml/2006/main" xmlns:r="http://schemas.openxmlformats.org/officeDocument/2006/relationships" xmlns:p="http://schemas.openxmlformats.org/presentationml/2006/main">
+  <p:cSld>
+    <p:spTree>
+      <p:nvGrpSpPr>
+        <p:cNvPr id="1" name=""/>
+        <p:cNvGrpSpPr/>
+        <p:nvPr/>
+      </p:nvGrpSpPr>
+      <p:grpSpPr>
+        <a:xfrm>
+          <a:off x="0" y="0"/>
+          <a:ext cx="0" cy="0"/>
+          <a:chOff x="0" y="0"/>
+          <a:chExt cx="0" cy="0"/>
+        </a:xfrm>
+      </p:grpSpPr>
+      <p:sp>
+        <p:nvSpPr>
+          <p:cNvPr id="2" name="标题 1">
+            <a:extLst>
+              <a:ext uri="{FF2B5EF4-FFF2-40B4-BE49-F238E27FC236}">
+                <a16:creationId xmlns:a16="http://schemas.microsoft.com/office/drawing/2014/main" id="{863D51B0-5151-684E-A2EC-61D8E230E56B}"/>
+              </a:ext>
+            </a:extLst>
+          </p:cNvPr>
+          <p:cNvSpPr>
+            <a:spLocks noGrp="1"/>
+          </p:cNvSpPr>
+          <p:nvPr>
+            <p:ph type="title"/>
+          </p:nvPr>
+        </p:nvSpPr>
+        <p:spPr/>
+        <p:txBody>
+          <a:bodyPr/>
+          <a:lstStyle/>
+          <a:p>
+            <a:r>
+              <a:rPr kumimoji="1" lang="en-US" altLang="zh-CN" dirty="0" err="1"/>
+              <a:t>Webview</a:t>
+            </a:r>
+            <a:r>
+              <a:rPr kumimoji="1" lang="zh-CN" altLang="en-US" dirty="0"/>
+              <a:t>简介</a:t>
+            </a:r>
+          </a:p>
+        </p:txBody>
+      </p:sp>
+      <p:sp>
+        <p:nvSpPr>
+          <p:cNvPr id="6" name="矩形 5">
+            <a:extLst>
+              <a:ext uri="{FF2B5EF4-FFF2-40B4-BE49-F238E27FC236}">
+                <a16:creationId xmlns:a16="http://schemas.microsoft.com/office/drawing/2014/main" id="{ECD1133D-A500-7445-B38F-74D3CEAD36BF}"/>
+              </a:ext>
+            </a:extLst>
+          </p:cNvPr>
+          <p:cNvSpPr/>
+          <p:nvPr/>
+        </p:nvSpPr>
+        <p:spPr>
+          <a:xfrm>
+            <a:off x="538656" y="1429406"/>
+            <a:ext cx="11285482" cy="5078313"/>
+          </a:xfrm>
+          <a:prstGeom prst="rect">
+            <a:avLst/>
+          </a:prstGeom>
+        </p:spPr>
+        <p:txBody>
+          <a:bodyPr wrap="square">
+            <a:spAutoFit/>
+          </a:bodyPr>
+          <a:lstStyle/>
+          <a:p>
+            <a:r>
+              <a:rPr lang="zh-CN" altLang="en-US" dirty="0">
+                <a:latin typeface="Courier New" panose="02070309020205020404" pitchFamily="49" charset="0"/>
+                <a:cs typeface="Courier New" panose="02070309020205020404" pitchFamily="49" charset="0"/>
+              </a:rPr>
+              <a:t>//激活WebView为活跃状态，能正常执行网页的响应</a:t>
+            </a:r>
+          </a:p>
+          <a:p>
+            <a:r>
+              <a:rPr lang="zh-CN" altLang="en-US" dirty="0">
+                <a:latin typeface="Courier New" panose="02070309020205020404" pitchFamily="49" charset="0"/>
+                <a:cs typeface="Courier New" panose="02070309020205020404" pitchFamily="49" charset="0"/>
+              </a:rPr>
+              <a:t>webView.onResume() ；</a:t>
+            </a:r>
+          </a:p>
+          <a:p>
+            <a:r>
+              <a:rPr lang="zh-CN" altLang="en-US" dirty="0">
+                <a:latin typeface="Courier New" panose="02070309020205020404" pitchFamily="49" charset="0"/>
+                <a:cs typeface="Courier New" panose="02070309020205020404" pitchFamily="49" charset="0"/>
+              </a:rPr>
+              <a:t>//当页面被失去焦点被切换到后台不可见状态，需要执行onPause</a:t>
+            </a:r>
+          </a:p>
+          <a:p>
+            <a:r>
+              <a:rPr lang="zh-CN" altLang="en-US" dirty="0">
+                <a:latin typeface="Courier New" panose="02070309020205020404" pitchFamily="49" charset="0"/>
+                <a:cs typeface="Courier New" panose="02070309020205020404" pitchFamily="49" charset="0"/>
+              </a:rPr>
+              <a:t>//通过onPause动作通知内核暂停所有的动作，比如DOM的解析、plugin的执行、JavaScript执行。</a:t>
+            </a:r>
+          </a:p>
+          <a:p>
+            <a:r>
+              <a:rPr lang="zh-CN" altLang="en-US" dirty="0">
+                <a:latin typeface="Courier New" panose="02070309020205020404" pitchFamily="49" charset="0"/>
+                <a:cs typeface="Courier New" panose="02070309020205020404" pitchFamily="49" charset="0"/>
+              </a:rPr>
+              <a:t>webView.onPause()；</a:t>
+            </a:r>
+          </a:p>
+          <a:p>
+            <a:r>
+              <a:rPr lang="zh-CN" altLang="en-US" dirty="0">
+                <a:latin typeface="Courier New" panose="02070309020205020404" pitchFamily="49" charset="0"/>
+                <a:cs typeface="Courier New" panose="02070309020205020404" pitchFamily="49" charset="0"/>
+              </a:rPr>
+              <a:t>//当应用程序(存在webview)被切换到后台时，这个方法不仅仅针对当前的webview而是全局的全应用程序的webview</a:t>
+            </a:r>
+          </a:p>
+          <a:p>
+            <a:r>
+              <a:rPr lang="zh-CN" altLang="en-US" dirty="0">
+                <a:latin typeface="Courier New" panose="02070309020205020404" pitchFamily="49" charset="0"/>
+                <a:cs typeface="Courier New" panose="02070309020205020404" pitchFamily="49" charset="0"/>
+              </a:rPr>
+              <a:t>//它会暂停所有webview的layout，parsing，javascripttimer。降低CPU功耗。</a:t>
+            </a:r>
+          </a:p>
+          <a:p>
+            <a:r>
+              <a:rPr lang="zh-CN" altLang="en-US" dirty="0">
+                <a:latin typeface="Courier New" panose="02070309020205020404" pitchFamily="49" charset="0"/>
+                <a:cs typeface="Courier New" panose="02070309020205020404" pitchFamily="49" charset="0"/>
+              </a:rPr>
+              <a:t>webView.pauseTimers()</a:t>
+            </a:r>
+          </a:p>
+          <a:p>
+            <a:r>
+              <a:rPr lang="zh-CN" altLang="en-US" dirty="0">
+                <a:latin typeface="Courier New" panose="02070309020205020404" pitchFamily="49" charset="0"/>
+                <a:cs typeface="Courier New" panose="02070309020205020404" pitchFamily="49" charset="0"/>
+              </a:rPr>
+              <a:t>//恢复pauseTimers状态</a:t>
+            </a:r>
+          </a:p>
+          <a:p>
+            <a:r>
+              <a:rPr lang="zh-CN" altLang="en-US" dirty="0">
+                <a:latin typeface="Courier New" panose="02070309020205020404" pitchFamily="49" charset="0"/>
+                <a:cs typeface="Courier New" panose="02070309020205020404" pitchFamily="49" charset="0"/>
+              </a:rPr>
+              <a:t>webView.resumeTimers()；</a:t>
+            </a:r>
+          </a:p>
+          <a:p>
+            <a:r>
+              <a:rPr lang="zh-CN" altLang="en-US" dirty="0">
+                <a:latin typeface="Courier New" panose="02070309020205020404" pitchFamily="49" charset="0"/>
+                <a:cs typeface="Courier New" panose="02070309020205020404" pitchFamily="49" charset="0"/>
+              </a:rPr>
+              <a:t>//销毁Webview</a:t>
+            </a:r>
+          </a:p>
+          <a:p>
+            <a:r>
+              <a:rPr lang="zh-CN" altLang="en-US" dirty="0">
+                <a:latin typeface="Courier New" panose="02070309020205020404" pitchFamily="49" charset="0"/>
+                <a:cs typeface="Courier New" panose="02070309020205020404" pitchFamily="49" charset="0"/>
+              </a:rPr>
+              <a:t>//在关闭了Activity时，如果Webview的音乐或视频，还在播放。就必须销毁Webview</a:t>
+            </a:r>
+          </a:p>
+          <a:p>
+            <a:r>
+              <a:rPr lang="zh-CN" altLang="en-US" dirty="0">
+                <a:latin typeface="Courier New" panose="02070309020205020404" pitchFamily="49" charset="0"/>
+                <a:cs typeface="Courier New" panose="02070309020205020404" pitchFamily="49" charset="0"/>
+              </a:rPr>
+              <a:t>//但是注意：webview调用destory时,webview仍绑定在Activity上</a:t>
+            </a:r>
+          </a:p>
+          <a:p>
+            <a:r>
+              <a:rPr lang="zh-CN" altLang="en-US" dirty="0">
+                <a:latin typeface="Courier New" panose="02070309020205020404" pitchFamily="49" charset="0"/>
+                <a:cs typeface="Courier New" panose="02070309020205020404" pitchFamily="49" charset="0"/>
+              </a:rPr>
+              <a:t>//这是由于自定义webview构建时传入了该Activity的context对象</a:t>
+            </a:r>
+          </a:p>
+          <a:p>
+            <a:r>
+              <a:rPr lang="zh-CN" altLang="en-US" dirty="0">
+                <a:latin typeface="Courier New" panose="02070309020205020404" pitchFamily="49" charset="0"/>
+                <a:cs typeface="Courier New" panose="02070309020205020404" pitchFamily="49" charset="0"/>
+              </a:rPr>
+              <a:t>//因此需要先从父容器中移除webview,然后再销毁webview:</a:t>
+            </a:r>
+          </a:p>
+          <a:p>
+            <a:r>
+              <a:rPr lang="zh-CN" altLang="en-US" dirty="0">
+                <a:latin typeface="Courier New" panose="02070309020205020404" pitchFamily="49" charset="0"/>
+                <a:cs typeface="Courier New" panose="02070309020205020404" pitchFamily="49" charset="0"/>
+              </a:rPr>
+              <a:t>rootLayout.removeView(webView); </a:t>
+            </a:r>
+          </a:p>
+          <a:p>
+            <a:r>
+              <a:rPr lang="zh-CN" altLang="en-US" dirty="0">
+                <a:latin typeface="Courier New" panose="02070309020205020404" pitchFamily="49" charset="0"/>
+                <a:cs typeface="Courier New" panose="02070309020205020404" pitchFamily="49" charset="0"/>
+              </a:rPr>
+              <a:t>webView.destroy();</a:t>
+            </a:r>
+          </a:p>
+        </p:txBody>
+      </p:sp>
+    </p:spTree>
+    <p:extLst>
+      <p:ext uri="{BB962C8B-B14F-4D97-AF65-F5344CB8AC3E}">
+        <p14:creationId xmlns:p14="http://schemas.microsoft.com/office/powerpoint/2010/main" val="1543662228"/>
+      </p:ext>
+    </p:extLst>
+  </p:cSld>
+  <p:clrMapOvr>
+    <a:masterClrMapping/>
+  </p:clrMapOvr>
+</p:sld>
+</file>
+
+<file path=ppt/slides/slide5.xml><?xml version="1.0" encoding="utf-8"?>
 <p:sld xmlns:a="http://schemas.openxmlformats.org/drawingml/2006/main" xmlns:r="http://schemas.openxmlformats.org/officeDocument/2006/relationships" xmlns:p="http://schemas.openxmlformats.org/presentationml/2006/main">
   <p:cSld>
     <p:spTree>
